--- a/harj2.pptx
+++ b/harj2.pptx
@@ -5,19 +5,20 @@
     <p:sldMasterId id="2147483648" r:id="rId1"/>
   </p:sldMasterIdLst>
   <p:notesMasterIdLst>
-    <p:notesMasterId r:id="rId12"/>
+    <p:notesMasterId r:id="rId13"/>
   </p:notesMasterIdLst>
   <p:sldIdLst>
     <p:sldId id="256" r:id="rId2"/>
     <p:sldId id="257" r:id="rId3"/>
     <p:sldId id="263" r:id="rId4"/>
-    <p:sldId id="264" r:id="rId5"/>
-    <p:sldId id="258" r:id="rId6"/>
+    <p:sldId id="258" r:id="rId5"/>
+    <p:sldId id="264" r:id="rId6"/>
     <p:sldId id="265" r:id="rId7"/>
     <p:sldId id="262" r:id="rId8"/>
     <p:sldId id="259" r:id="rId9"/>
     <p:sldId id="260" r:id="rId10"/>
     <p:sldId id="261" r:id="rId11"/>
+    <p:sldId id="266" r:id="rId12"/>
   </p:sldIdLst>
   <p:sldSz cx="12192000" cy="6858000"/>
   <p:notesSz cx="6858000" cy="9144000"/>
@@ -218,7 +219,7 @@
           <a:p>
             <a:fld id="{868CF5DC-9FB7-43FB-99AA-16538263BA6A}" type="datetimeFigureOut">
               <a:rPr lang="fi-FI" smtClean="0"/>
-              <a:t>15.8.2018</a:t>
+              <a:t>16.8.2018</a:t>
             </a:fld>
             <a:endParaRPr lang="fi-FI"/>
           </a:p>
@@ -617,7 +618,7 @@
           <a:p>
             <a:r>
               <a:rPr lang="fi-FI" smtClean="0"/>
-              <a:t>15.8.2018</a:t>
+              <a:t>16.8.2018</a:t>
             </a:r>
             <a:endParaRPr lang="fi-FI"/>
           </a:p>
@@ -791,7 +792,7 @@
           <a:p>
             <a:r>
               <a:rPr lang="fi-FI" smtClean="0"/>
-              <a:t>15.8.2018</a:t>
+              <a:t>16.8.2018</a:t>
             </a:r>
             <a:endParaRPr lang="fi-FI"/>
           </a:p>
@@ -975,7 +976,7 @@
           <a:p>
             <a:r>
               <a:rPr lang="fi-FI" smtClean="0"/>
-              <a:t>15.8.2018</a:t>
+              <a:t>16.8.2018</a:t>
             </a:r>
             <a:endParaRPr lang="fi-FI"/>
           </a:p>
@@ -1149,7 +1150,7 @@
           <a:p>
             <a:r>
               <a:rPr lang="fi-FI" smtClean="0"/>
-              <a:t>15.8.2018</a:t>
+              <a:t>16.8.2018</a:t>
             </a:r>
             <a:endParaRPr lang="fi-FI"/>
           </a:p>
@@ -1399,7 +1400,7 @@
           <a:p>
             <a:r>
               <a:rPr lang="fi-FI" smtClean="0"/>
-              <a:t>15.8.2018</a:t>
+              <a:t>16.8.2018</a:t>
             </a:r>
             <a:endParaRPr lang="fi-FI"/>
           </a:p>
@@ -1635,7 +1636,7 @@
           <a:p>
             <a:r>
               <a:rPr lang="fi-FI" smtClean="0"/>
-              <a:t>15.8.2018</a:t>
+              <a:t>16.8.2018</a:t>
             </a:r>
             <a:endParaRPr lang="fi-FI"/>
           </a:p>
@@ -2006,7 +2007,7 @@
           <a:p>
             <a:r>
               <a:rPr lang="fi-FI" smtClean="0"/>
-              <a:t>15.8.2018</a:t>
+              <a:t>16.8.2018</a:t>
             </a:r>
             <a:endParaRPr lang="fi-FI"/>
           </a:p>
@@ -2128,7 +2129,7 @@
           <a:p>
             <a:r>
               <a:rPr lang="fi-FI" smtClean="0"/>
-              <a:t>15.8.2018</a:t>
+              <a:t>16.8.2018</a:t>
             </a:r>
             <a:endParaRPr lang="fi-FI"/>
           </a:p>
@@ -2227,7 +2228,7 @@
           <a:p>
             <a:r>
               <a:rPr lang="fi-FI" smtClean="0"/>
-              <a:t>15.8.2018</a:t>
+              <a:t>16.8.2018</a:t>
             </a:r>
             <a:endParaRPr lang="fi-FI"/>
           </a:p>
@@ -2508,7 +2509,7 @@
           <a:p>
             <a:r>
               <a:rPr lang="fi-FI" smtClean="0"/>
-              <a:t>15.8.2018</a:t>
+              <a:t>16.8.2018</a:t>
             </a:r>
             <a:endParaRPr lang="fi-FI"/>
           </a:p>
@@ -2765,7 +2766,7 @@
           <a:p>
             <a:r>
               <a:rPr lang="fi-FI" smtClean="0"/>
-              <a:t>15.8.2018</a:t>
+              <a:t>16.8.2018</a:t>
             </a:r>
             <a:endParaRPr lang="fi-FI"/>
           </a:p>
@@ -2982,7 +2983,7 @@
           <a:p>
             <a:r>
               <a:rPr lang="fi-FI" smtClean="0"/>
-              <a:t>15.8.2018</a:t>
+              <a:t>16.8.2018</a:t>
             </a:r>
             <a:endParaRPr lang="fi-FI"/>
           </a:p>
@@ -3489,7 +3490,7 @@
           <a:p>
             <a:r>
               <a:rPr lang="fi-FI" smtClean="0"/>
-              <a:t>15.8.2018</a:t>
+              <a:t>16.8.2018</a:t>
             </a:r>
             <a:endParaRPr lang="fi-FI"/>
           </a:p>
@@ -3636,7 +3637,7 @@
           <a:p>
             <a:r>
               <a:rPr lang="fi-FI" smtClean="0"/>
-              <a:t>15.8.2018</a:t>
+              <a:t>16.8.2018</a:t>
             </a:r>
             <a:endParaRPr lang="fi-FI"/>
           </a:p>
@@ -3741,8 +3742,9 @@
             </a:pPr>
             <a:r>
               <a:rPr lang="fi-FI" sz="2000" dirty="0" smtClean="0"/>
-              <a:t>Suunnittelu</a:t>
-            </a:r>
+              <a:t>suunnittelu</a:t>
+            </a:r>
+            <a:endParaRPr lang="fi-FI" sz="2000" dirty="0" smtClean="0"/>
           </a:p>
           <a:p>
             <a:pPr marL="342900" indent="-342900">
@@ -3754,8 +3756,9 @@
             </a:pPr>
             <a:r>
               <a:rPr lang="fi-FI" sz="2000" dirty="0" smtClean="0"/>
-              <a:t>Kehittäminen</a:t>
-            </a:r>
+              <a:t>kehittäminen</a:t>
+            </a:r>
+            <a:endParaRPr lang="fi-FI" sz="2000" dirty="0" smtClean="0"/>
           </a:p>
           <a:p>
             <a:pPr marL="342900" indent="-342900">
@@ -3767,8 +3770,9 @@
             </a:pPr>
             <a:r>
               <a:rPr lang="fi-FI" sz="2000" dirty="0" smtClean="0"/>
-              <a:t>Testaus</a:t>
-            </a:r>
+              <a:t>testaus</a:t>
+            </a:r>
+            <a:endParaRPr lang="fi-FI" sz="2000" dirty="0" smtClean="0"/>
           </a:p>
           <a:p>
             <a:pPr marL="342900" indent="-342900">
@@ -3780,8 +3784,9 @@
             </a:pPr>
             <a:r>
               <a:rPr lang="fi-FI" sz="2000" dirty="0" smtClean="0"/>
-              <a:t>dokumentointiin</a:t>
-            </a:r>
+              <a:t>Dokumentointiin.</a:t>
+            </a:r>
+            <a:endParaRPr lang="fi-FI" sz="2000" dirty="0" smtClean="0"/>
           </a:p>
         </p:txBody>
       </p:sp>
@@ -3857,10 +3862,17 @@
   <p:clrMapOvr>
     <a:masterClrMapping/>
   </p:clrMapOvr>
+  <p:timing>
+    <p:tnLst>
+      <p:par>
+        <p:cTn id="1" dur="indefinite" restart="never" nodeType="tmRoot"/>
+      </p:par>
+    </p:tnLst>
+  </p:timing>
 </p:sld>
 </file>
 
-<file path=ppt/slides/slide2.xml><?xml version="1.0" encoding="utf-8"?>
+<file path=ppt/slides/slide11.xml><?xml version="1.0" encoding="utf-8"?>
 <p:sld xmlns:a="http://schemas.openxmlformats.org/drawingml/2006/main" xmlns:r="http://schemas.openxmlformats.org/officeDocument/2006/relationships" xmlns:p="http://schemas.openxmlformats.org/presentationml/2006/main">
   <p:cSld>
     <p:spTree>
@@ -3917,6 +3929,286 @@
               <a:rPr lang="fi-FI" dirty="0" smtClean="0">
                 <a:latin typeface="Poiret One" panose="02000000000000000000" pitchFamily="2" charset="0"/>
               </a:rPr>
+              <a:t>Lähteet</a:t>
+            </a:r>
+            <a:endParaRPr lang="fi-FI" dirty="0">
+              <a:latin typeface="Poiret One" panose="02000000000000000000" pitchFamily="2" charset="0"/>
+            </a:endParaRPr>
+          </a:p>
+        </p:txBody>
+      </p:sp>
+      <p:sp>
+        <p:nvSpPr>
+          <p:cNvPr id="5" name="Date Placeholder 4"/>
+          <p:cNvSpPr>
+            <a:spLocks noGrp="1"/>
+          </p:cNvSpPr>
+          <p:nvPr>
+            <p:ph type="dt" sz="half" idx="10"/>
+          </p:nvPr>
+        </p:nvSpPr>
+        <p:spPr/>
+        <p:txBody>
+          <a:bodyPr/>
+          <a:lstStyle/>
+          <a:p>
+            <a:r>
+              <a:rPr lang="fi-FI" smtClean="0"/>
+              <a:t>16.8.2018</a:t>
+            </a:r>
+            <a:endParaRPr lang="fi-FI" dirty="0"/>
+          </a:p>
+        </p:txBody>
+      </p:sp>
+      <p:sp>
+        <p:nvSpPr>
+          <p:cNvPr id="6" name="Footer Placeholder 5"/>
+          <p:cNvSpPr>
+            <a:spLocks noGrp="1"/>
+          </p:cNvSpPr>
+          <p:nvPr>
+            <p:ph type="ftr" sz="quarter" idx="11"/>
+          </p:nvPr>
+        </p:nvSpPr>
+        <p:spPr/>
+        <p:txBody>
+          <a:bodyPr/>
+          <a:lstStyle/>
+          <a:p>
+            <a:r>
+              <a:rPr lang="fi-FI" smtClean="0"/>
+              <a:t>Vesterinen Matti + Antony Hussi, 17TVDO02</a:t>
+            </a:r>
+            <a:endParaRPr lang="fi-FI"/>
+          </a:p>
+        </p:txBody>
+      </p:sp>
+      <p:sp>
+        <p:nvSpPr>
+          <p:cNvPr id="7" name="Slide Number Placeholder 6"/>
+          <p:cNvSpPr>
+            <a:spLocks noGrp="1"/>
+          </p:cNvSpPr>
+          <p:nvPr>
+            <p:ph type="sldNum" sz="quarter" idx="12"/>
+          </p:nvPr>
+        </p:nvSpPr>
+        <p:spPr/>
+        <p:txBody>
+          <a:bodyPr/>
+          <a:lstStyle/>
+          <a:p>
+            <a:fld id="{0856A19C-F86E-41B2-81F2-34404ECE2754}" type="slidenum">
+              <a:rPr lang="fi-FI" smtClean="0"/>
+              <a:t>11</a:t>
+            </a:fld>
+            <a:endParaRPr lang="fi-FI"/>
+          </a:p>
+        </p:txBody>
+      </p:sp>
+      <p:sp>
+        <p:nvSpPr>
+          <p:cNvPr id="8" name="TextBox 7"/>
+          <p:cNvSpPr txBox="1"/>
+          <p:nvPr/>
+        </p:nvSpPr>
+        <p:spPr>
+          <a:xfrm>
+            <a:off x="1444689" y="1455576"/>
+            <a:ext cx="9302621" cy="2031325"/>
+          </a:xfrm>
+          <a:prstGeom prst="rect">
+            <a:avLst/>
+          </a:prstGeom>
+          <a:noFill/>
+        </p:spPr>
+        <p:txBody>
+          <a:bodyPr wrap="square" rtlCol="0">
+            <a:spAutoFit/>
+          </a:bodyPr>
+          <a:lstStyle/>
+          <a:p>
+            <a:pPr marL="285750" indent="-285750">
+              <a:buFontTx/>
+              <a:buChar char="-"/>
+            </a:pPr>
+            <a:r>
+              <a:rPr lang="fi-FI" i="1" dirty="0" smtClean="0">
+                <a:hlinkClick r:id="rId2"/>
+              </a:rPr>
+              <a:t>https</a:t>
+            </a:r>
+            <a:r>
+              <a:rPr lang="fi-FI" i="1" dirty="0">
+                <a:hlinkClick r:id="rId2"/>
+              </a:rPr>
+              <a:t>://</a:t>
+            </a:r>
+            <a:r>
+              <a:rPr lang="fi-FI" i="1" dirty="0" smtClean="0">
+                <a:hlinkClick r:id="rId2"/>
+              </a:rPr>
+              <a:t>en.wikipedia.org/wiki/File:Scrum_Framework.png</a:t>
+            </a:r>
+            <a:endParaRPr lang="fi-FI" i="1" dirty="0" smtClean="0"/>
+          </a:p>
+          <a:p>
+            <a:pPr marL="285750" indent="-285750">
+              <a:buFontTx/>
+              <a:buChar char="-"/>
+            </a:pPr>
+            <a:endParaRPr lang="fi-FI" i="1" dirty="0"/>
+          </a:p>
+          <a:p>
+            <a:pPr marL="285750" indent="-285750">
+              <a:buFontTx/>
+              <a:buChar char="-"/>
+            </a:pPr>
+            <a:r>
+              <a:rPr lang="fi-FI" i="1" dirty="0">
+                <a:hlinkClick r:id="rId3"/>
+              </a:rPr>
+              <a:t>https://en.wikipedia.org/wiki/Scrum_(software_development</a:t>
+            </a:r>
+            <a:r>
+              <a:rPr lang="fi-FI" i="1" dirty="0" smtClean="0">
+                <a:hlinkClick r:id="rId3"/>
+              </a:rPr>
+              <a:t>)</a:t>
+            </a:r>
+            <a:endParaRPr lang="fi-FI" i="1" dirty="0" smtClean="0"/>
+          </a:p>
+          <a:p>
+            <a:pPr marL="285750" indent="-285750">
+              <a:buFontTx/>
+              <a:buChar char="-"/>
+            </a:pPr>
+            <a:endParaRPr lang="fi-FI" i="1" dirty="0"/>
+          </a:p>
+          <a:p>
+            <a:pPr marL="285750" indent="-285750">
+              <a:buFontTx/>
+              <a:buChar char="-"/>
+            </a:pPr>
+            <a:r>
+              <a:rPr lang="fi-FI" i="1" dirty="0">
+                <a:hlinkClick r:id="rId4"/>
+              </a:rPr>
+              <a:t>https://</a:t>
+            </a:r>
+            <a:r>
+              <a:rPr lang="fi-FI" i="1" dirty="0" smtClean="0">
+                <a:hlinkClick r:id="rId4"/>
+              </a:rPr>
+              <a:t>fi.wikipedia.org/wiki/Scrum</a:t>
+            </a:r>
+            <a:endParaRPr lang="fi-FI" i="1" dirty="0" smtClean="0"/>
+          </a:p>
+          <a:p>
+            <a:pPr marL="285750" indent="-285750">
+              <a:buFontTx/>
+              <a:buChar char="-"/>
+            </a:pPr>
+            <a:endParaRPr lang="fi-FI" i="1" dirty="0"/>
+          </a:p>
+          <a:p>
+            <a:pPr marL="285750" indent="-285750">
+              <a:buFontTx/>
+              <a:buChar char="-"/>
+            </a:pPr>
+            <a:r>
+              <a:rPr lang="fi-FI" i="1" dirty="0">
+                <a:hlinkClick r:id="rId5"/>
+              </a:rPr>
+              <a:t>https://</a:t>
+            </a:r>
+            <a:r>
+              <a:rPr lang="fi-FI" i="1" dirty="0" smtClean="0">
+                <a:hlinkClick r:id="rId5"/>
+              </a:rPr>
+              <a:t>www.scrum.org/resources/what-is-scrum</a:t>
+            </a:r>
+            <a:endParaRPr lang="fi-FI" i="1" dirty="0" smtClean="0"/>
+          </a:p>
+        </p:txBody>
+      </p:sp>
+    </p:spTree>
+    <p:extLst>
+      <p:ext uri="{BB962C8B-B14F-4D97-AF65-F5344CB8AC3E}">
+        <p14:creationId xmlns:p14="http://schemas.microsoft.com/office/powerpoint/2010/main" val="1484831757"/>
+      </p:ext>
+    </p:extLst>
+  </p:cSld>
+  <p:clrMapOvr>
+    <a:masterClrMapping/>
+  </p:clrMapOvr>
+  <p:timing>
+    <p:tnLst>
+      <p:par>
+        <p:cTn id="1" dur="indefinite" restart="never" nodeType="tmRoot"/>
+      </p:par>
+    </p:tnLst>
+  </p:timing>
+</p:sld>
+</file>
+
+<file path=ppt/slides/slide2.xml><?xml version="1.0" encoding="utf-8"?>
+<p:sld xmlns:a="http://schemas.openxmlformats.org/drawingml/2006/main" xmlns:r="http://schemas.openxmlformats.org/officeDocument/2006/relationships" xmlns:p="http://schemas.openxmlformats.org/presentationml/2006/main">
+  <p:cSld>
+    <p:spTree>
+      <p:nvGrpSpPr>
+        <p:cNvPr id="1" name=""/>
+        <p:cNvGrpSpPr/>
+        <p:nvPr/>
+      </p:nvGrpSpPr>
+      <p:grpSpPr>
+        <a:xfrm>
+          <a:off x="0" y="0"/>
+          <a:ext cx="0" cy="0"/>
+          <a:chOff x="0" y="0"/>
+          <a:chExt cx="0" cy="0"/>
+        </a:xfrm>
+      </p:grpSpPr>
+      <p:sp>
+        <p:nvSpPr>
+          <p:cNvPr id="4" name="Rectangle 3"/>
+          <p:cNvSpPr/>
+          <p:nvPr/>
+        </p:nvSpPr>
+        <p:spPr>
+          <a:xfrm>
+            <a:off x="0" y="0"/>
+            <a:ext cx="12192000" cy="401216"/>
+          </a:xfrm>
+          <a:prstGeom prst="rect">
+            <a:avLst/>
+          </a:prstGeom>
+        </p:spPr>
+        <p:style>
+          <a:lnRef idx="2">
+            <a:schemeClr val="accent2">
+              <a:shade val="50000"/>
+            </a:schemeClr>
+          </a:lnRef>
+          <a:fillRef idx="1">
+            <a:schemeClr val="accent2"/>
+          </a:fillRef>
+          <a:effectRef idx="0">
+            <a:schemeClr val="accent2"/>
+          </a:effectRef>
+          <a:fontRef idx="minor">
+            <a:schemeClr val="lt1"/>
+          </a:fontRef>
+        </p:style>
+        <p:txBody>
+          <a:bodyPr rtlCol="0" anchor="ctr"/>
+          <a:lstStyle/>
+          <a:p>
+            <a:pPr algn="ctr"/>
+            <a:r>
+              <a:rPr lang="fi-FI" dirty="0" smtClean="0">
+                <a:latin typeface="Poiret One" panose="02000000000000000000" pitchFamily="2" charset="0"/>
+              </a:rPr>
               <a:t>Mikä on </a:t>
             </a:r>
             <a:r>
@@ -3948,7 +4240,7 @@
           <a:p>
             <a:r>
               <a:rPr lang="fi-FI" smtClean="0"/>
-              <a:t>15.8.2018</a:t>
+              <a:t>16.8.2018</a:t>
             </a:r>
             <a:endParaRPr lang="fi-FI"/>
           </a:p>
@@ -4307,7 +4599,7 @@
           <a:p>
             <a:r>
               <a:rPr lang="fi-FI" smtClean="0"/>
-              <a:t>15.8.2018</a:t>
+              <a:t>16.8.2018</a:t>
             </a:r>
             <a:endParaRPr lang="fi-FI"/>
           </a:p>
@@ -4588,305 +4880,6 @@
 </file>
 
 <file path=ppt/slides/slide4.xml><?xml version="1.0" encoding="utf-8"?>
-<p:sld xmlns:a="http://schemas.openxmlformats.org/drawingml/2006/main" xmlns:r="http://schemas.openxmlformats.org/officeDocument/2006/relationships" xmlns:p="http://schemas.openxmlformats.org/presentationml/2006/main">
-  <p:cSld>
-    <p:spTree>
-      <p:nvGrpSpPr>
-        <p:cNvPr id="1" name=""/>
-        <p:cNvGrpSpPr/>
-        <p:nvPr/>
-      </p:nvGrpSpPr>
-      <p:grpSpPr>
-        <a:xfrm>
-          <a:off x="0" y="0"/>
-          <a:ext cx="0" cy="0"/>
-          <a:chOff x="0" y="0"/>
-          <a:chExt cx="0" cy="0"/>
-        </a:xfrm>
-      </p:grpSpPr>
-      <p:sp>
-        <p:nvSpPr>
-          <p:cNvPr id="4" name="Rectangle 3"/>
-          <p:cNvSpPr/>
-          <p:nvPr/>
-        </p:nvSpPr>
-        <p:spPr>
-          <a:xfrm>
-            <a:off x="0" y="0"/>
-            <a:ext cx="12192000" cy="401216"/>
-          </a:xfrm>
-          <a:prstGeom prst="rect">
-            <a:avLst/>
-          </a:prstGeom>
-        </p:spPr>
-        <p:style>
-          <a:lnRef idx="2">
-            <a:schemeClr val="accent2">
-              <a:shade val="50000"/>
-            </a:schemeClr>
-          </a:lnRef>
-          <a:fillRef idx="1">
-            <a:schemeClr val="accent2"/>
-          </a:fillRef>
-          <a:effectRef idx="0">
-            <a:schemeClr val="accent2"/>
-          </a:effectRef>
-          <a:fontRef idx="minor">
-            <a:schemeClr val="lt1"/>
-          </a:fontRef>
-        </p:style>
-        <p:txBody>
-          <a:bodyPr rtlCol="0" anchor="ctr"/>
-          <a:lstStyle/>
-          <a:p>
-            <a:pPr algn="ctr"/>
-            <a:r>
-              <a:rPr lang="fi-FI" dirty="0" smtClean="0">
-                <a:latin typeface="Poiret One" panose="02000000000000000000" pitchFamily="2" charset="0"/>
-              </a:rPr>
-              <a:t>Palaverit</a:t>
-            </a:r>
-            <a:endParaRPr lang="fi-FI" dirty="0">
-              <a:latin typeface="Poiret One" panose="02000000000000000000" pitchFamily="2" charset="0"/>
-            </a:endParaRPr>
-          </a:p>
-        </p:txBody>
-      </p:sp>
-      <p:sp>
-        <p:nvSpPr>
-          <p:cNvPr id="5" name="Date Placeholder 4"/>
-          <p:cNvSpPr>
-            <a:spLocks noGrp="1"/>
-          </p:cNvSpPr>
-          <p:nvPr>
-            <p:ph type="dt" sz="half" idx="10"/>
-          </p:nvPr>
-        </p:nvSpPr>
-        <p:spPr/>
-        <p:txBody>
-          <a:bodyPr/>
-          <a:lstStyle/>
-          <a:p>
-            <a:r>
-              <a:rPr lang="fi-FI" smtClean="0"/>
-              <a:t>15.8.2018</a:t>
-            </a:r>
-            <a:endParaRPr lang="fi-FI"/>
-          </a:p>
-        </p:txBody>
-      </p:sp>
-      <p:sp>
-        <p:nvSpPr>
-          <p:cNvPr id="6" name="Footer Placeholder 5"/>
-          <p:cNvSpPr>
-            <a:spLocks noGrp="1"/>
-          </p:cNvSpPr>
-          <p:nvPr>
-            <p:ph type="ftr" sz="quarter" idx="11"/>
-          </p:nvPr>
-        </p:nvSpPr>
-        <p:spPr/>
-        <p:txBody>
-          <a:bodyPr/>
-          <a:lstStyle/>
-          <a:p>
-            <a:r>
-              <a:rPr lang="fi-FI" smtClean="0"/>
-              <a:t>Vesterinen Matti + Antony Hussi, 17TVDO02</a:t>
-            </a:r>
-            <a:endParaRPr lang="fi-FI"/>
-          </a:p>
-        </p:txBody>
-      </p:sp>
-      <p:sp>
-        <p:nvSpPr>
-          <p:cNvPr id="7" name="Slide Number Placeholder 6"/>
-          <p:cNvSpPr>
-            <a:spLocks noGrp="1"/>
-          </p:cNvSpPr>
-          <p:nvPr>
-            <p:ph type="sldNum" sz="quarter" idx="12"/>
-          </p:nvPr>
-        </p:nvSpPr>
-        <p:spPr/>
-        <p:txBody>
-          <a:bodyPr/>
-          <a:lstStyle/>
-          <a:p>
-            <a:fld id="{0856A19C-F86E-41B2-81F2-34404ECE2754}" type="slidenum">
-              <a:rPr lang="fi-FI" smtClean="0"/>
-              <a:t>4</a:t>
-            </a:fld>
-            <a:endParaRPr lang="fi-FI"/>
-          </a:p>
-        </p:txBody>
-      </p:sp>
-      <p:sp>
-        <p:nvSpPr>
-          <p:cNvPr id="8" name="TextBox 7"/>
-          <p:cNvSpPr txBox="1"/>
-          <p:nvPr/>
-        </p:nvSpPr>
-        <p:spPr>
-          <a:xfrm>
-            <a:off x="1444689" y="1455576"/>
-            <a:ext cx="9302621" cy="4278094"/>
-          </a:xfrm>
-          <a:prstGeom prst="rect">
-            <a:avLst/>
-          </a:prstGeom>
-          <a:noFill/>
-        </p:spPr>
-        <p:txBody>
-          <a:bodyPr wrap="square" rtlCol="0">
-            <a:spAutoFit/>
-          </a:bodyPr>
-          <a:lstStyle/>
-          <a:p>
-            <a:r>
-              <a:rPr lang="fi-FI" sz="4400" dirty="0" smtClean="0"/>
-              <a:t>Palaverit</a:t>
-            </a:r>
-            <a:endParaRPr lang="fi-FI" sz="2000" dirty="0" smtClean="0"/>
-          </a:p>
-          <a:p>
-            <a:r>
-              <a:rPr lang="fi-FI" sz="2400" b="1" dirty="0" smtClean="0"/>
-              <a:t>Suunnittelupalaveri</a:t>
-            </a:r>
-          </a:p>
-          <a:p>
-            <a:r>
-              <a:rPr lang="fi-FI" sz="2000" dirty="0" smtClean="0"/>
-              <a:t>Kestää enintään 8 tuntia noin kuukauden mittaiselle sprintille tai vaihtoehtoisesti esim. kahden mittaiselle sprintille on varattu 4 tuntia.</a:t>
-            </a:r>
-          </a:p>
-          <a:p>
-            <a:pPr marL="342900" indent="-342900">
-              <a:buFont typeface="Arial" panose="020B0604020202020204" pitchFamily="34" charset="0"/>
-              <a:buChar char="•"/>
-            </a:pPr>
-            <a:endParaRPr lang="fi-FI" sz="2000" dirty="0"/>
-          </a:p>
-          <a:p>
-            <a:r>
-              <a:rPr lang="fi-FI" sz="2400" b="1" dirty="0" smtClean="0"/>
-              <a:t>Päiväpalaveri</a:t>
-            </a:r>
-          </a:p>
-          <a:p>
-            <a:r>
-              <a:rPr lang="fi-FI" sz="2000" dirty="0" smtClean="0"/>
-              <a:t>Varattu enintään 15 minuuttia, jossa kehitystiimit ajastavat työnsä ja luovat suunnitelmat seuraaville 24 tunnille </a:t>
-            </a:r>
-            <a:r>
-              <a:rPr lang="fi-FI" sz="2000" dirty="0" err="1" smtClean="0"/>
-              <a:t>aka</a:t>
-            </a:r>
-            <a:r>
-              <a:rPr lang="fi-FI" sz="2000" dirty="0" smtClean="0"/>
-              <a:t> syklille.</a:t>
-            </a:r>
-          </a:p>
-          <a:p>
-            <a:r>
-              <a:rPr lang="fi-FI" sz="2000" dirty="0" smtClean="0"/>
-              <a:t>Ryhmän jäsenet</a:t>
-            </a:r>
-          </a:p>
-          <a:p>
-            <a:pPr marL="342900" indent="-342900">
-              <a:buFont typeface="Arial" panose="020B0604020202020204" pitchFamily="34" charset="0"/>
-              <a:buChar char="•"/>
-            </a:pPr>
-            <a:r>
-              <a:rPr lang="fi-FI" sz="2000" dirty="0" smtClean="0"/>
-              <a:t>Mitä on tehty viimeisen palaverin jälkeen</a:t>
-            </a:r>
-          </a:p>
-          <a:p>
-            <a:pPr marL="342900" indent="-342900">
-              <a:buFont typeface="Arial" panose="020B0604020202020204" pitchFamily="34" charset="0"/>
-              <a:buChar char="•"/>
-            </a:pPr>
-            <a:r>
-              <a:rPr lang="fi-FI" sz="2000" dirty="0" smtClean="0"/>
-              <a:t>mitä on tarkoituksena tehdä ennen seuraava palaveria</a:t>
-            </a:r>
-          </a:p>
-          <a:p>
-            <a:pPr marL="342900" indent="-342900">
-              <a:buFont typeface="Arial" panose="020B0604020202020204" pitchFamily="34" charset="0"/>
-              <a:buChar char="•"/>
-            </a:pPr>
-            <a:r>
-              <a:rPr lang="fi-FI" sz="2000" dirty="0"/>
-              <a:t>t</a:t>
-            </a:r>
-            <a:r>
-              <a:rPr lang="fi-FI" sz="2000" dirty="0" smtClean="0"/>
-              <a:t>yön edistyminen.</a:t>
-            </a:r>
-          </a:p>
-        </p:txBody>
-      </p:sp>
-      <p:sp>
-        <p:nvSpPr>
-          <p:cNvPr id="9" name="TextBox 8"/>
-          <p:cNvSpPr txBox="1"/>
-          <p:nvPr/>
-        </p:nvSpPr>
-        <p:spPr>
-          <a:xfrm>
-            <a:off x="1370072" y="5891121"/>
-            <a:ext cx="9161106" cy="307777"/>
-          </a:xfrm>
-          <a:prstGeom prst="rect">
-            <a:avLst/>
-          </a:prstGeom>
-          <a:noFill/>
-        </p:spPr>
-        <p:txBody>
-          <a:bodyPr wrap="square" rtlCol="0">
-            <a:spAutoFit/>
-          </a:bodyPr>
-          <a:lstStyle/>
-          <a:p>
-            <a:pPr algn="ctr"/>
-            <a:r>
-              <a:rPr lang="fi-FI" sz="1400" i="1" dirty="0" smtClean="0">
-                <a:solidFill>
-                  <a:schemeClr val="accent2">
-                    <a:lumMod val="75000"/>
-                  </a:schemeClr>
-                </a:solidFill>
-              </a:rPr>
-              <a:t>”Päiväpalaveri ei ole raportointia vaan oma tapaaminen”</a:t>
-            </a:r>
-            <a:endParaRPr lang="fi-FI" sz="1400" i="1" dirty="0">
-              <a:solidFill>
-                <a:schemeClr val="accent2">
-                  <a:lumMod val="75000"/>
-                </a:schemeClr>
-              </a:solidFill>
-            </a:endParaRPr>
-          </a:p>
-        </p:txBody>
-      </p:sp>
-    </p:spTree>
-    <p:extLst>
-      <p:ext uri="{BB962C8B-B14F-4D97-AF65-F5344CB8AC3E}">
-        <p14:creationId xmlns:p14="http://schemas.microsoft.com/office/powerpoint/2010/main" val="390710570"/>
-      </p:ext>
-    </p:extLst>
-  </p:cSld>
-  <p:clrMapOvr>
-    <a:masterClrMapping/>
-  </p:clrMapOvr>
-</p:sld>
-</file>
-
-<file path=ppt/slides/slide5.xml><?xml version="1.0" encoding="utf-8"?>
 <p:sld xmlns:a="http://schemas.openxmlformats.org/drawingml/2006/main" xmlns:r="http://schemas.openxmlformats.org/officeDocument/2006/relationships" xmlns:p="http://schemas.openxmlformats.org/presentationml/2006/main">
   <p:cSld>
     <p:spTree>
@@ -5009,7 +5002,7 @@
           <a:p>
             <a:r>
               <a:rPr lang="fi-FI" smtClean="0"/>
-              <a:t>15.8.2018</a:t>
+              <a:t>16.8.2018</a:t>
             </a:r>
             <a:endParaRPr lang="fi-FI"/>
           </a:p>
@@ -5055,7 +5048,7 @@
           <a:p>
             <a:fld id="{0856A19C-F86E-41B2-81F2-34404ECE2754}" type="slidenum">
               <a:rPr lang="fi-FI" smtClean="0"/>
-              <a:t>5</a:t>
+              <a:t>4</a:t>
             </a:fld>
             <a:endParaRPr lang="fi-FI"/>
           </a:p>
@@ -5071,10 +5064,17 @@
   <p:clrMapOvr>
     <a:masterClrMapping/>
   </p:clrMapOvr>
+  <p:timing>
+    <p:tnLst>
+      <p:par>
+        <p:cTn id="1" dur="indefinite" restart="never" nodeType="tmRoot"/>
+      </p:par>
+    </p:tnLst>
+  </p:timing>
 </p:sld>
 </file>
 
-<file path=ppt/slides/slide6.xml><?xml version="1.0" encoding="utf-8"?>
+<file path=ppt/slides/slide5.xml><?xml version="1.0" encoding="utf-8"?>
 <p:sld xmlns:a="http://schemas.openxmlformats.org/drawingml/2006/main" xmlns:r="http://schemas.openxmlformats.org/officeDocument/2006/relationships" xmlns:p="http://schemas.openxmlformats.org/presentationml/2006/main">
   <p:cSld>
     <p:spTree>
@@ -5128,10 +5128,10 @@
           <a:p>
             <a:pPr algn="ctr"/>
             <a:r>
-              <a:rPr lang="fi-FI" dirty="0" err="1" smtClean="0">
+              <a:rPr lang="fi-FI" dirty="0" smtClean="0">
                 <a:latin typeface="Poiret One" panose="02000000000000000000" pitchFamily="2" charset="0"/>
               </a:rPr>
-              <a:t>Scrum</a:t>
+              <a:t>Palaverit</a:t>
             </a:r>
             <a:endParaRPr lang="fi-FI" dirty="0">
               <a:latin typeface="Poiret One" panose="02000000000000000000" pitchFamily="2" charset="0"/>
@@ -5156,7 +5156,7 @@
           <a:p>
             <a:r>
               <a:rPr lang="fi-FI" smtClean="0"/>
-              <a:t>15.8.2018</a:t>
+              <a:t>16.8.2018</a:t>
             </a:r>
             <a:endParaRPr lang="fi-FI"/>
           </a:p>
@@ -5202,7 +5202,7 @@
           <a:p>
             <a:fld id="{0856A19C-F86E-41B2-81F2-34404ECE2754}" type="slidenum">
               <a:rPr lang="fi-FI" smtClean="0"/>
-              <a:t>6</a:t>
+              <a:t>5</a:t>
             </a:fld>
             <a:endParaRPr lang="fi-FI"/>
           </a:p>
@@ -5217,7 +5217,7 @@
         <p:spPr>
           <a:xfrm>
             <a:off x="1444689" y="1455576"/>
-            <a:ext cx="9302621" cy="3293209"/>
+            <a:ext cx="9302621" cy="4585871"/>
           </a:xfrm>
           <a:prstGeom prst="rect">
             <a:avLst/>
@@ -5232,20 +5232,55 @@
           <a:p>
             <a:r>
               <a:rPr lang="fi-FI" sz="4400" dirty="0" smtClean="0"/>
-              <a:t>SCRUMIN VAIHEET</a:t>
-            </a:r>
-          </a:p>
-          <a:p>
-            <a:endParaRPr lang="fi-FI" sz="4400" dirty="0"/>
+              <a:t>PALAVERIT</a:t>
+            </a:r>
+          </a:p>
+          <a:p>
+            <a:endParaRPr lang="fi-FI" sz="2000" dirty="0" smtClean="0"/>
+          </a:p>
+          <a:p>
+            <a:r>
+              <a:rPr lang="fi-FI" sz="2400" b="1" dirty="0" smtClean="0"/>
+              <a:t>Suunnittelupalaveri</a:t>
+            </a:r>
+          </a:p>
+          <a:p>
+            <a:r>
+              <a:rPr lang="fi-FI" sz="2000" dirty="0" smtClean="0"/>
+              <a:t>Kestää enintään 8 tuntia noin kuukauden mittaiselle sprintille tai vaihtoehtoisesti esim. kahden mittaiselle sprintille on varattu 4 tuntia.</a:t>
+            </a:r>
           </a:p>
           <a:p>
             <a:pPr marL="342900" indent="-342900">
               <a:buFont typeface="Arial" panose="020B0604020202020204" pitchFamily="34" charset="0"/>
               <a:buChar char="•"/>
             </a:pPr>
+            <a:endParaRPr lang="fi-FI" sz="2000" dirty="0"/>
+          </a:p>
+          <a:p>
+            <a:r>
+              <a:rPr lang="fi-FI" sz="2400" b="1" dirty="0" smtClean="0"/>
+              <a:t>Päiväpalaveri</a:t>
+            </a:r>
+          </a:p>
+          <a:p>
             <a:r>
               <a:rPr lang="fi-FI" sz="2000" dirty="0" smtClean="0"/>
-              <a:t>Sprintti</a:t>
+              <a:t>Varattu enintään 15 minuuttia, jossa kehitystiimit ajastavat työnsä ja luovat suunnitelmat seuraaville 24 tunnille </a:t>
+            </a:r>
+            <a:r>
+              <a:rPr lang="fi-FI" sz="2000" dirty="0" err="1" smtClean="0"/>
+              <a:t>aka</a:t>
+            </a:r>
+            <a:r>
+              <a:rPr lang="fi-FI" sz="2000" dirty="0" smtClean="0"/>
+              <a:t> syklille.</a:t>
+            </a:r>
+          </a:p>
+          <a:p>
+            <a:r>
+              <a:rPr lang="fi-FI" sz="2000" dirty="0" smtClean="0"/>
+              <a:t>Ryhmän jäsenet</a:t>
             </a:r>
           </a:p>
           <a:p>
@@ -5255,7 +5290,7 @@
             </a:pPr>
             <a:r>
               <a:rPr lang="fi-FI" sz="2000" dirty="0" smtClean="0"/>
-              <a:t>Sprintin suunnittelupalaveri</a:t>
+              <a:t>Mitä on tehty viimeisen palaverin jälkeen</a:t>
             </a:r>
           </a:p>
           <a:p>
@@ -5265,7 +5300,7 @@
             </a:pPr>
             <a:r>
               <a:rPr lang="fi-FI" sz="2000" dirty="0" smtClean="0"/>
-              <a:t>Päiväpalaveri</a:t>
+              <a:t>mitä on tarkoituksena tehdä ennen seuraava palaveria</a:t>
             </a:r>
           </a:p>
           <a:p>
@@ -5275,50 +5310,79 @@
             </a:pPr>
             <a:r>
               <a:rPr lang="fi-FI" sz="2000" dirty="0"/>
-              <a:t>Tuotteen kehitysjonon </a:t>
+              <a:t>t</a:t>
             </a:r>
             <a:r>
               <a:rPr lang="fi-FI" sz="2000" dirty="0" smtClean="0"/>
-              <a:t>työstö</a:t>
-            </a:r>
-          </a:p>
-          <a:p>
-            <a:pPr marL="342900" indent="-342900">
-              <a:buFont typeface="Arial" panose="020B0604020202020204" pitchFamily="34" charset="0"/>
-              <a:buChar char="•"/>
-            </a:pPr>
-            <a:r>
-              <a:rPr lang="fi-FI" sz="2000" dirty="0" smtClean="0"/>
-              <a:t>Sprinttikatselmus</a:t>
-            </a:r>
-          </a:p>
-          <a:p>
-            <a:pPr marL="342900" indent="-342900">
-              <a:buFont typeface="Arial" panose="020B0604020202020204" pitchFamily="34" charset="0"/>
-              <a:buChar char="•"/>
-            </a:pPr>
-            <a:r>
-              <a:rPr lang="fi-FI" sz="2000" dirty="0"/>
-              <a:t>Sprintin retrospektiivi</a:t>
-            </a:r>
-            <a:endParaRPr lang="fi-FI" sz="2000" dirty="0" smtClean="0"/>
+              <a:t>yön edistyminen.</a:t>
+            </a:r>
+          </a:p>
+        </p:txBody>
+      </p:sp>
+      <p:sp>
+        <p:nvSpPr>
+          <p:cNvPr id="9" name="TextBox 8"/>
+          <p:cNvSpPr txBox="1"/>
+          <p:nvPr/>
+        </p:nvSpPr>
+        <p:spPr>
+          <a:xfrm>
+            <a:off x="1370072" y="5891121"/>
+            <a:ext cx="9161106" cy="307777"/>
+          </a:xfrm>
+          <a:prstGeom prst="rect">
+            <a:avLst/>
+          </a:prstGeom>
+          <a:noFill/>
+        </p:spPr>
+        <p:txBody>
+          <a:bodyPr wrap="square" rtlCol="0">
+            <a:spAutoFit/>
+          </a:bodyPr>
+          <a:lstStyle/>
+          <a:p>
+            <a:pPr algn="ctr"/>
+            <a:r>
+              <a:rPr lang="fi-FI" sz="1400" i="1" dirty="0" smtClean="0">
+                <a:solidFill>
+                  <a:schemeClr val="accent2">
+                    <a:lumMod val="75000"/>
+                  </a:schemeClr>
+                </a:solidFill>
+              </a:rPr>
+              <a:t>”Päiväpalaveri ei ole raportointia vaan oma tapaaminen”</a:t>
+            </a:r>
+            <a:endParaRPr lang="fi-FI" sz="1400" i="1" dirty="0">
+              <a:solidFill>
+                <a:schemeClr val="accent2">
+                  <a:lumMod val="75000"/>
+                </a:schemeClr>
+              </a:solidFill>
+            </a:endParaRPr>
           </a:p>
         </p:txBody>
       </p:sp>
     </p:spTree>
     <p:extLst>
       <p:ext uri="{BB962C8B-B14F-4D97-AF65-F5344CB8AC3E}">
-        <p14:creationId xmlns:p14="http://schemas.microsoft.com/office/powerpoint/2010/main" val="2369770332"/>
+        <p14:creationId xmlns:p14="http://schemas.microsoft.com/office/powerpoint/2010/main" val="390710570"/>
       </p:ext>
     </p:extLst>
   </p:cSld>
   <p:clrMapOvr>
     <a:masterClrMapping/>
   </p:clrMapOvr>
+  <p:timing>
+    <p:tnLst>
+      <p:par>
+        <p:cTn id="1" dur="indefinite" restart="never" nodeType="tmRoot"/>
+      </p:par>
+    </p:tnLst>
+  </p:timing>
 </p:sld>
 </file>
 
-<file path=ppt/slides/slide7.xml><?xml version="1.0" encoding="utf-8"?>
+<file path=ppt/slides/slide6.xml><?xml version="1.0" encoding="utf-8"?>
 <p:sld xmlns:a="http://schemas.openxmlformats.org/drawingml/2006/main" xmlns:r="http://schemas.openxmlformats.org/officeDocument/2006/relationships" xmlns:p="http://schemas.openxmlformats.org/presentationml/2006/main">
   <p:cSld>
     <p:spTree>
@@ -5372,10 +5436,10 @@
           <a:p>
             <a:pPr algn="ctr"/>
             <a:r>
-              <a:rPr lang="fi-FI" dirty="0" smtClean="0">
+              <a:rPr lang="fi-FI" dirty="0" err="1" smtClean="0">
                 <a:latin typeface="Poiret One" panose="02000000000000000000" pitchFamily="2" charset="0"/>
               </a:rPr>
-              <a:t>Roolit</a:t>
+              <a:t>Scrum</a:t>
             </a:r>
             <a:endParaRPr lang="fi-FI" dirty="0">
               <a:latin typeface="Poiret One" panose="02000000000000000000" pitchFamily="2" charset="0"/>
@@ -5400,7 +5464,7 @@
           <a:p>
             <a:r>
               <a:rPr lang="fi-FI" smtClean="0"/>
-              <a:t>15.8.2018</a:t>
+              <a:t>16.8.2018</a:t>
             </a:r>
             <a:endParaRPr lang="fi-FI"/>
           </a:p>
@@ -5446,7 +5510,7 @@
           <a:p>
             <a:fld id="{0856A19C-F86E-41B2-81F2-34404ECE2754}" type="slidenum">
               <a:rPr lang="fi-FI" smtClean="0"/>
-              <a:t>7</a:t>
+              <a:t>6</a:t>
             </a:fld>
             <a:endParaRPr lang="fi-FI"/>
           </a:p>
@@ -5461,7 +5525,7 @@
         <p:spPr>
           <a:xfrm>
             <a:off x="1444689" y="1455576"/>
-            <a:ext cx="9302621" cy="3693319"/>
+            <a:ext cx="9302621" cy="3293209"/>
           </a:xfrm>
           <a:prstGeom prst="rect">
             <a:avLst/>
@@ -5475,108 +5539,101 @@
           <a:lstStyle/>
           <a:p>
             <a:r>
-              <a:rPr lang="fi-FI" sz="3600" dirty="0" smtClean="0"/>
-              <a:t>Tuoteomistajan tehtävät:</a:t>
-            </a:r>
-          </a:p>
-          <a:p>
-            <a:endParaRPr lang="fi-FI" dirty="0" smtClean="0"/>
-          </a:p>
-          <a:p>
-            <a:pPr marL="285750" indent="-285750">
-              <a:lnSpc>
-                <a:spcPct val="150000"/>
-              </a:lnSpc>
+              <a:rPr lang="fi-FI" sz="4400" dirty="0" smtClean="0"/>
+              <a:t>SCRUMIN VAIHEET</a:t>
+            </a:r>
+          </a:p>
+          <a:p>
+            <a:endParaRPr lang="fi-FI" sz="4400" dirty="0"/>
+          </a:p>
+          <a:p>
+            <a:pPr marL="342900" indent="-342900">
               <a:buFont typeface="Arial" panose="020B0604020202020204" pitchFamily="34" charset="0"/>
               <a:buChar char="•"/>
             </a:pPr>
             <a:r>
               <a:rPr lang="fi-FI" sz="2000" dirty="0" smtClean="0"/>
-              <a:t>Määrittelee ja tiedottaa julkaisusta</a:t>
-            </a:r>
-          </a:p>
-          <a:p>
-            <a:pPr marL="285750" indent="-285750">
-              <a:lnSpc>
-                <a:spcPct val="150000"/>
-              </a:lnSpc>
+              <a:t>Sprintti</a:t>
+            </a:r>
+          </a:p>
+          <a:p>
+            <a:pPr marL="342900" indent="-342900">
               <a:buFont typeface="Arial" panose="020B0604020202020204" pitchFamily="34" charset="0"/>
               <a:buChar char="•"/>
             </a:pPr>
             <a:r>
               <a:rPr lang="fi-FI" sz="2000" dirty="0" smtClean="0"/>
-              <a:t>järjestää virstanpylvään julkaisusta</a:t>
-            </a:r>
-          </a:p>
-          <a:p>
-            <a:pPr marL="285750" indent="-285750">
-              <a:lnSpc>
-                <a:spcPct val="150000"/>
-              </a:lnSpc>
+              <a:t>Sprintin suunnittelupalaveri</a:t>
+            </a:r>
+          </a:p>
+          <a:p>
+            <a:pPr marL="342900" indent="-342900">
               <a:buFont typeface="Arial" panose="020B0604020202020204" pitchFamily="34" charset="0"/>
               <a:buChar char="•"/>
             </a:pPr>
             <a:r>
               <a:rPr lang="fi-FI" sz="2000" dirty="0" smtClean="0"/>
-              <a:t>kommunikoi osakkaiden kanssa kehityksestä</a:t>
-            </a:r>
-          </a:p>
-          <a:p>
-            <a:pPr marL="285750" indent="-285750">
-              <a:lnSpc>
-                <a:spcPct val="150000"/>
-              </a:lnSpc>
+              <a:t>Päiväpalaveri</a:t>
+            </a:r>
+          </a:p>
+          <a:p>
+            <a:pPr marL="342900" indent="-342900">
               <a:buFont typeface="Arial" panose="020B0604020202020204" pitchFamily="34" charset="0"/>
               <a:buChar char="•"/>
             </a:pPr>
             <a:r>
+              <a:rPr lang="fi-FI" sz="2000" dirty="0"/>
+              <a:t>Tuotteen kehitysjonon </a:t>
+            </a:r>
+            <a:r>
               <a:rPr lang="fi-FI" sz="2000" dirty="0" smtClean="0"/>
-              <a:t>tiedottaa osakkaille sovelluskehityksestä</a:t>
-            </a:r>
-          </a:p>
-          <a:p>
-            <a:pPr marL="285750" indent="-285750">
-              <a:lnSpc>
-                <a:spcPct val="150000"/>
-              </a:lnSpc>
+              <a:t>työstö</a:t>
+            </a:r>
+          </a:p>
+          <a:p>
+            <a:pPr marL="342900" indent="-342900">
               <a:buFont typeface="Arial" panose="020B0604020202020204" pitchFamily="34" charset="0"/>
               <a:buChar char="•"/>
             </a:pPr>
             <a:r>
               <a:rPr lang="fi-FI" sz="2000" dirty="0" smtClean="0"/>
-              <a:t>neuvottelee tärkeysjärjestyksestä, laajuudesta, rahoituksesta ja aikataulusta</a:t>
-            </a:r>
-          </a:p>
-          <a:p>
-            <a:pPr marL="285750" indent="-285750">
-              <a:lnSpc>
-                <a:spcPct val="150000"/>
-              </a:lnSpc>
+              <a:t>Sprinttikatselmus</a:t>
+            </a:r>
+          </a:p>
+          <a:p>
+            <a:pPr marL="342900" indent="-342900">
               <a:buFont typeface="Arial" panose="020B0604020202020204" pitchFamily="34" charset="0"/>
               <a:buChar char="•"/>
             </a:pPr>
             <a:r>
-              <a:rPr lang="fi-FI" sz="2000" dirty="0" smtClean="0"/>
-              <a:t>Varmistaa että tuotekehitys on läpinäkyvää ja selkeätä.</a:t>
-            </a:r>
-            <a:endParaRPr lang="fi-FI" sz="2000" dirty="0"/>
+              <a:rPr lang="fi-FI" sz="2000" dirty="0"/>
+              <a:t>Sprintin retrospektiivi</a:t>
+            </a:r>
+            <a:endParaRPr lang="fi-FI" sz="2000" dirty="0" smtClean="0"/>
           </a:p>
         </p:txBody>
       </p:sp>
     </p:spTree>
     <p:extLst>
       <p:ext uri="{BB962C8B-B14F-4D97-AF65-F5344CB8AC3E}">
-        <p14:creationId xmlns:p14="http://schemas.microsoft.com/office/powerpoint/2010/main" val="3764530841"/>
+        <p14:creationId xmlns:p14="http://schemas.microsoft.com/office/powerpoint/2010/main" val="2369770332"/>
       </p:ext>
     </p:extLst>
   </p:cSld>
   <p:clrMapOvr>
     <a:masterClrMapping/>
   </p:clrMapOvr>
+  <p:timing>
+    <p:tnLst>
+      <p:par>
+        <p:cTn id="1" dur="indefinite" restart="never" nodeType="tmRoot"/>
+      </p:par>
+    </p:tnLst>
+  </p:timing>
 </p:sld>
 </file>
 
-<file path=ppt/slides/slide8.xml><?xml version="1.0" encoding="utf-8"?>
+<file path=ppt/slides/slide7.xml><?xml version="1.0" encoding="utf-8"?>
 <p:sld xmlns:a="http://schemas.openxmlformats.org/drawingml/2006/main" xmlns:r="http://schemas.openxmlformats.org/officeDocument/2006/relationships" xmlns:p="http://schemas.openxmlformats.org/presentationml/2006/main">
   <p:cSld>
     <p:spTree>
@@ -5658,7 +5715,7 @@
           <a:p>
             <a:r>
               <a:rPr lang="fi-FI" smtClean="0"/>
-              <a:t>15.8.2018</a:t>
+              <a:t>16.8.2018</a:t>
             </a:r>
             <a:endParaRPr lang="fi-FI"/>
           </a:p>
@@ -5704,7 +5761,7 @@
           <a:p>
             <a:fld id="{0856A19C-F86E-41B2-81F2-34404ECE2754}" type="slidenum">
               <a:rPr lang="fi-FI" smtClean="0"/>
-              <a:t>8</a:t>
+              <a:t>7</a:t>
             </a:fld>
             <a:endParaRPr lang="fi-FI"/>
           </a:p>
@@ -5733,12 +5790,8 @@
           <a:lstStyle/>
           <a:p>
             <a:r>
-              <a:rPr lang="fi-FI" sz="3600" dirty="0" err="1" smtClean="0"/>
-              <a:t>Scrummasterin</a:t>
-            </a:r>
-            <a:r>
               <a:rPr lang="fi-FI" sz="3600" dirty="0" smtClean="0"/>
-              <a:t> tehtävät:</a:t>
+              <a:t>Tuoteomistajan tehtävät:</a:t>
             </a:r>
           </a:p>
           <a:p>
@@ -5754,7 +5807,7 @@
             </a:pPr>
             <a:r>
               <a:rPr lang="fi-FI" sz="2000" dirty="0" smtClean="0"/>
-              <a:t>Poistaa mahdolliset esteet</a:t>
+              <a:t>Määrittelee ja tiedottaa julkaisusta</a:t>
             </a:r>
           </a:p>
           <a:p>
@@ -5767,7 +5820,7 @@
             </a:pPr>
             <a:r>
               <a:rPr lang="fi-FI" sz="2000" dirty="0" smtClean="0"/>
-              <a:t>ryhmän valmentaminen</a:t>
+              <a:t>järjestää virstanpylvään julkaisusta</a:t>
             </a:r>
           </a:p>
           <a:p>
@@ -5779,12 +5832,12 @@
               <a:buChar char="•"/>
             </a:pPr>
             <a:r>
-              <a:rPr lang="fi-FI" sz="2000" dirty="0"/>
-              <a:t>p</a:t>
-            </a:r>
-            <a:r>
               <a:rPr lang="fi-FI" sz="2000" dirty="0" smtClean="0"/>
-              <a:t>äivittäinen työ on tuottavaa</a:t>
+              <a:t>tiedottaa </a:t>
+            </a:r>
+            <a:r>
+              <a:rPr lang="fi-FI" sz="2000" dirty="0" smtClean="0"/>
+              <a:t>osakkaille sovelluskehityksestä</a:t>
             </a:r>
           </a:p>
           <a:p>
@@ -5797,7 +5850,7 @@
             </a:pPr>
             <a:r>
               <a:rPr lang="fi-FI" sz="2000" dirty="0" smtClean="0"/>
-              <a:t>pelisääntöjen noudattaminen</a:t>
+              <a:t>neuvottelee tärkeysjärjestyksestä, laajuudesta, rahoituksesta ja aikataulusta</a:t>
             </a:r>
           </a:p>
           <a:p>
@@ -5810,25 +5863,37 @@
             </a:pPr>
             <a:r>
               <a:rPr lang="fi-FI" sz="2000" dirty="0" smtClean="0"/>
-              <a:t>suojaa ryhmää uusilta vaatimuksilta ja antaa työrauhan sprintin ajaksi.</a:t>
-            </a:r>
+              <a:t>varmistaa </a:t>
+            </a:r>
+            <a:r>
+              <a:rPr lang="fi-FI" sz="2000" dirty="0" smtClean="0"/>
+              <a:t>että tuotekehitys on läpinäkyvää ja selkeätä.</a:t>
+            </a:r>
+            <a:endParaRPr lang="fi-FI" sz="2000" dirty="0"/>
           </a:p>
         </p:txBody>
       </p:sp>
     </p:spTree>
     <p:extLst>
       <p:ext uri="{BB962C8B-B14F-4D97-AF65-F5344CB8AC3E}">
-        <p14:creationId xmlns:p14="http://schemas.microsoft.com/office/powerpoint/2010/main" val="3687470684"/>
+        <p14:creationId xmlns:p14="http://schemas.microsoft.com/office/powerpoint/2010/main" val="3764530841"/>
       </p:ext>
     </p:extLst>
   </p:cSld>
   <p:clrMapOvr>
     <a:masterClrMapping/>
   </p:clrMapOvr>
+  <p:timing>
+    <p:tnLst>
+      <p:par>
+        <p:cTn id="1" dur="indefinite" restart="never" nodeType="tmRoot"/>
+      </p:par>
+    </p:tnLst>
+  </p:timing>
 </p:sld>
 </file>
 
-<file path=ppt/slides/slide9.xml><?xml version="1.0" encoding="utf-8"?>
+<file path=ppt/slides/slide8.xml><?xml version="1.0" encoding="utf-8"?>
 <p:sld xmlns:a="http://schemas.openxmlformats.org/drawingml/2006/main" xmlns:r="http://schemas.openxmlformats.org/officeDocument/2006/relationships" xmlns:p="http://schemas.openxmlformats.org/presentationml/2006/main">
   <p:cSld>
     <p:spTree>
@@ -5910,7 +5975,266 @@
           <a:p>
             <a:r>
               <a:rPr lang="fi-FI" smtClean="0"/>
-              <a:t>15.8.2018</a:t>
+              <a:t>16.8.2018</a:t>
+            </a:r>
+            <a:endParaRPr lang="fi-FI"/>
+          </a:p>
+        </p:txBody>
+      </p:sp>
+      <p:sp>
+        <p:nvSpPr>
+          <p:cNvPr id="6" name="Footer Placeholder 5"/>
+          <p:cNvSpPr>
+            <a:spLocks noGrp="1"/>
+          </p:cNvSpPr>
+          <p:nvPr>
+            <p:ph type="ftr" sz="quarter" idx="11"/>
+          </p:nvPr>
+        </p:nvSpPr>
+        <p:spPr/>
+        <p:txBody>
+          <a:bodyPr/>
+          <a:lstStyle/>
+          <a:p>
+            <a:r>
+              <a:rPr lang="fi-FI" smtClean="0"/>
+              <a:t>Vesterinen Matti + Antony Hussi, 17TVDO02</a:t>
+            </a:r>
+            <a:endParaRPr lang="fi-FI"/>
+          </a:p>
+        </p:txBody>
+      </p:sp>
+      <p:sp>
+        <p:nvSpPr>
+          <p:cNvPr id="7" name="Slide Number Placeholder 6"/>
+          <p:cNvSpPr>
+            <a:spLocks noGrp="1"/>
+          </p:cNvSpPr>
+          <p:nvPr>
+            <p:ph type="sldNum" sz="quarter" idx="12"/>
+          </p:nvPr>
+        </p:nvSpPr>
+        <p:spPr/>
+        <p:txBody>
+          <a:bodyPr/>
+          <a:lstStyle/>
+          <a:p>
+            <a:fld id="{0856A19C-F86E-41B2-81F2-34404ECE2754}" type="slidenum">
+              <a:rPr lang="fi-FI" smtClean="0"/>
+              <a:t>8</a:t>
+            </a:fld>
+            <a:endParaRPr lang="fi-FI"/>
+          </a:p>
+        </p:txBody>
+      </p:sp>
+      <p:sp>
+        <p:nvSpPr>
+          <p:cNvPr id="8" name="TextBox 7"/>
+          <p:cNvSpPr txBox="1"/>
+          <p:nvPr/>
+        </p:nvSpPr>
+        <p:spPr>
+          <a:xfrm>
+            <a:off x="1444689" y="1455576"/>
+            <a:ext cx="9302621" cy="3231654"/>
+          </a:xfrm>
+          <a:prstGeom prst="rect">
+            <a:avLst/>
+          </a:prstGeom>
+          <a:noFill/>
+        </p:spPr>
+        <p:txBody>
+          <a:bodyPr wrap="square" rtlCol="0">
+            <a:spAutoFit/>
+          </a:bodyPr>
+          <a:lstStyle/>
+          <a:p>
+            <a:r>
+              <a:rPr lang="fi-FI" sz="3600" dirty="0" err="1" smtClean="0"/>
+              <a:t>Scrummasterin</a:t>
+            </a:r>
+            <a:r>
+              <a:rPr lang="fi-FI" sz="3600" dirty="0" smtClean="0"/>
+              <a:t> tehtävät:</a:t>
+            </a:r>
+          </a:p>
+          <a:p>
+            <a:endParaRPr lang="fi-FI" dirty="0" smtClean="0"/>
+          </a:p>
+          <a:p>
+            <a:pPr marL="285750" indent="-285750">
+              <a:lnSpc>
+                <a:spcPct val="150000"/>
+              </a:lnSpc>
+              <a:buFont typeface="Arial" panose="020B0604020202020204" pitchFamily="34" charset="0"/>
+              <a:buChar char="•"/>
+            </a:pPr>
+            <a:r>
+              <a:rPr lang="fi-FI" sz="2000" dirty="0" smtClean="0"/>
+              <a:t>Poistaa mahdolliset esteet</a:t>
+            </a:r>
+          </a:p>
+          <a:p>
+            <a:pPr marL="285750" indent="-285750">
+              <a:lnSpc>
+                <a:spcPct val="150000"/>
+              </a:lnSpc>
+              <a:buFont typeface="Arial" panose="020B0604020202020204" pitchFamily="34" charset="0"/>
+              <a:buChar char="•"/>
+            </a:pPr>
+            <a:r>
+              <a:rPr lang="fi-FI" sz="2000" dirty="0" smtClean="0"/>
+              <a:t>ryhmän valmentaminen</a:t>
+            </a:r>
+          </a:p>
+          <a:p>
+            <a:pPr marL="285750" indent="-285750">
+              <a:lnSpc>
+                <a:spcPct val="150000"/>
+              </a:lnSpc>
+              <a:buFont typeface="Arial" panose="020B0604020202020204" pitchFamily="34" charset="0"/>
+              <a:buChar char="•"/>
+            </a:pPr>
+            <a:r>
+              <a:rPr lang="fi-FI" sz="2000" dirty="0"/>
+              <a:t>p</a:t>
+            </a:r>
+            <a:r>
+              <a:rPr lang="fi-FI" sz="2000" dirty="0" smtClean="0"/>
+              <a:t>äivittäinen työ on tuottavaa</a:t>
+            </a:r>
+          </a:p>
+          <a:p>
+            <a:pPr marL="285750" indent="-285750">
+              <a:lnSpc>
+                <a:spcPct val="150000"/>
+              </a:lnSpc>
+              <a:buFont typeface="Arial" panose="020B0604020202020204" pitchFamily="34" charset="0"/>
+              <a:buChar char="•"/>
+            </a:pPr>
+            <a:r>
+              <a:rPr lang="fi-FI" sz="2000" dirty="0" smtClean="0"/>
+              <a:t>pelisääntöjen noudattaminen</a:t>
+            </a:r>
+          </a:p>
+          <a:p>
+            <a:pPr marL="285750" indent="-285750">
+              <a:lnSpc>
+                <a:spcPct val="150000"/>
+              </a:lnSpc>
+              <a:buFont typeface="Arial" panose="020B0604020202020204" pitchFamily="34" charset="0"/>
+              <a:buChar char="•"/>
+            </a:pPr>
+            <a:r>
+              <a:rPr lang="fi-FI" sz="2000" dirty="0" smtClean="0"/>
+              <a:t>suojaa ryhmää uusilta vaatimuksilta ja antaa työrauhan sprintin ajaksi.</a:t>
+            </a:r>
+          </a:p>
+        </p:txBody>
+      </p:sp>
+    </p:spTree>
+    <p:extLst>
+      <p:ext uri="{BB962C8B-B14F-4D97-AF65-F5344CB8AC3E}">
+        <p14:creationId xmlns:p14="http://schemas.microsoft.com/office/powerpoint/2010/main" val="3687470684"/>
+      </p:ext>
+    </p:extLst>
+  </p:cSld>
+  <p:clrMapOvr>
+    <a:masterClrMapping/>
+  </p:clrMapOvr>
+  <p:timing>
+    <p:tnLst>
+      <p:par>
+        <p:cTn id="1" dur="indefinite" restart="never" nodeType="tmRoot"/>
+      </p:par>
+    </p:tnLst>
+  </p:timing>
+</p:sld>
+</file>
+
+<file path=ppt/slides/slide9.xml><?xml version="1.0" encoding="utf-8"?>
+<p:sld xmlns:a="http://schemas.openxmlformats.org/drawingml/2006/main" xmlns:r="http://schemas.openxmlformats.org/officeDocument/2006/relationships" xmlns:p="http://schemas.openxmlformats.org/presentationml/2006/main">
+  <p:cSld>
+    <p:spTree>
+      <p:nvGrpSpPr>
+        <p:cNvPr id="1" name=""/>
+        <p:cNvGrpSpPr/>
+        <p:nvPr/>
+      </p:nvGrpSpPr>
+      <p:grpSpPr>
+        <a:xfrm>
+          <a:off x="0" y="0"/>
+          <a:ext cx="0" cy="0"/>
+          <a:chOff x="0" y="0"/>
+          <a:chExt cx="0" cy="0"/>
+        </a:xfrm>
+      </p:grpSpPr>
+      <p:sp>
+        <p:nvSpPr>
+          <p:cNvPr id="4" name="Rectangle 3"/>
+          <p:cNvSpPr/>
+          <p:nvPr/>
+        </p:nvSpPr>
+        <p:spPr>
+          <a:xfrm>
+            <a:off x="0" y="0"/>
+            <a:ext cx="12192000" cy="401216"/>
+          </a:xfrm>
+          <a:prstGeom prst="rect">
+            <a:avLst/>
+          </a:prstGeom>
+        </p:spPr>
+        <p:style>
+          <a:lnRef idx="2">
+            <a:schemeClr val="accent2">
+              <a:shade val="50000"/>
+            </a:schemeClr>
+          </a:lnRef>
+          <a:fillRef idx="1">
+            <a:schemeClr val="accent2"/>
+          </a:fillRef>
+          <a:effectRef idx="0">
+            <a:schemeClr val="accent2"/>
+          </a:effectRef>
+          <a:fontRef idx="minor">
+            <a:schemeClr val="lt1"/>
+          </a:fontRef>
+        </p:style>
+        <p:txBody>
+          <a:bodyPr rtlCol="0" anchor="ctr"/>
+          <a:lstStyle/>
+          <a:p>
+            <a:pPr algn="ctr"/>
+            <a:r>
+              <a:rPr lang="fi-FI" dirty="0" smtClean="0">
+                <a:latin typeface="Poiret One" panose="02000000000000000000" pitchFamily="2" charset="0"/>
+              </a:rPr>
+              <a:t>Roolit</a:t>
+            </a:r>
+            <a:endParaRPr lang="fi-FI" dirty="0">
+              <a:latin typeface="Poiret One" panose="02000000000000000000" pitchFamily="2" charset="0"/>
+            </a:endParaRPr>
+          </a:p>
+        </p:txBody>
+      </p:sp>
+      <p:sp>
+        <p:nvSpPr>
+          <p:cNvPr id="5" name="Date Placeholder 4"/>
+          <p:cNvSpPr>
+            <a:spLocks noGrp="1"/>
+          </p:cNvSpPr>
+          <p:nvPr>
+            <p:ph type="dt" sz="half" idx="10"/>
+          </p:nvPr>
+        </p:nvSpPr>
+        <p:spPr/>
+        <p:txBody>
+          <a:bodyPr/>
+          <a:lstStyle/>
+          <a:p>
+            <a:r>
+              <a:rPr lang="fi-FI" smtClean="0"/>
+              <a:t>16.8.2018</a:t>
             </a:r>
             <a:endParaRPr lang="fi-FI"/>
           </a:p>
@@ -6057,6 +6381,13 @@
   <p:clrMapOvr>
     <a:masterClrMapping/>
   </p:clrMapOvr>
+  <p:timing>
+    <p:tnLst>
+      <p:par>
+        <p:cTn id="1" dur="indefinite" restart="never" nodeType="tmRoot"/>
+      </p:par>
+    </p:tnLst>
+  </p:timing>
 </p:sld>
 </file>
 
